--- a/Projet_de_conception/Projet de Conception.pptx
+++ b/Projet_de_conception/Projet de Conception.pptx
@@ -19,6 +19,7 @@
     <p:sldId id="266" r:id="rId13"/>
     <p:sldId id="267" r:id="rId14"/>
     <p:sldId id="268" r:id="rId15"/>
+    <p:sldId id="270" r:id="rId16"/>
   </p:sldIdLst>
   <p:sldSz cx="12192000" cy="6858000"/>
   <p:notesSz cx="6858000" cy="9144000"/>
@@ -117,6 +118,11 @@
       </a:defRPr>
     </a:lvl9pPr>
   </p:defaultTextStyle>
+  <p:extLst>
+    <p:ext uri="{EFAFB233-063F-42B5-8137-9DF3F51BA10A}">
+      <p15:sldGuideLst xmlns:p15="http://schemas.microsoft.com/office/powerpoint/2012/main"/>
+    </p:ext>
+  </p:extLst>
 </p:presentation>
 </file>
 
@@ -16366,6 +16372,877 @@
 <file path=ppt/slides/slide14.xml><?xml version="1.0" encoding="utf-8"?>
 <p:sld xmlns:a="http://schemas.openxmlformats.org/drawingml/2006/main" xmlns:r="http://schemas.openxmlformats.org/officeDocument/2006/relationships" xmlns:p="http://schemas.openxmlformats.org/presentationml/2006/main">
   <p:cSld>
+    <p:bg>
+      <p:bgPr>
+        <a:solidFill>
+          <a:schemeClr val="bg1"/>
+        </a:solidFill>
+        <a:effectLst/>
+      </p:bgPr>
+    </p:bg>
+    <p:spTree>
+      <p:nvGrpSpPr>
+        <p:cNvPr id="1" name=""/>
+        <p:cNvGrpSpPr/>
+        <p:nvPr/>
+      </p:nvGrpSpPr>
+      <p:grpSpPr>
+        <a:xfrm>
+          <a:off x="0" y="0"/>
+          <a:ext cx="0" cy="0"/>
+          <a:chOff x="0" y="0"/>
+          <a:chExt cx="0" cy="0"/>
+        </a:xfrm>
+      </p:grpSpPr>
+      <p:grpSp>
+        <p:nvGrpSpPr>
+          <p:cNvPr id="26" name="Group 8">
+            <a:extLst>
+              <a:ext uri="{FF2B5EF4-FFF2-40B4-BE49-F238E27FC236}">
+                <a16:creationId xmlns:a16="http://schemas.microsoft.com/office/drawing/2014/main" id="{8DCF6162-C90D-43BF-B7E4-A7B29A16196B}"/>
+              </a:ext>
+              <a:ext uri="{C183D7F6-B498-43B3-948B-1728B52AA6E4}">
+                <adec:decorative xmlns:adec="http://schemas.microsoft.com/office/drawing/2017/decorative" val="1"/>
+              </a:ext>
+            </a:extLst>
+          </p:cNvPr>
+          <p:cNvGrpSpPr>
+            <a:grpSpLocks noGrp="1" noUngrp="1" noRot="1" noChangeAspect="1" noMove="1" noResize="1"/>
+          </p:cNvGrpSpPr>
+          <p:nvPr>
+            <p:extLst>
+              <p:ext uri="{386F3935-93C4-4BCD-93E2-E3B085C9AB24}">
+                <p16:designElem xmlns:p16="http://schemas.microsoft.com/office/powerpoint/2015/main" val="1"/>
+              </p:ext>
+            </p:extLst>
+          </p:nvPr>
+        </p:nvGrpSpPr>
+        <p:grpSpPr>
+          <a:xfrm>
+            <a:off x="0" y="0"/>
+            <a:ext cx="12192000" cy="6858000"/>
+            <a:chOff x="0" y="0"/>
+            <a:chExt cx="12192000" cy="6858000"/>
+          </a:xfrm>
+        </p:grpSpPr>
+        <p:sp>
+          <p:nvSpPr>
+            <p:cNvPr id="10" name="Rectangle 9">
+              <a:extLst>
+                <a:ext uri="{FF2B5EF4-FFF2-40B4-BE49-F238E27FC236}">
+                  <a16:creationId xmlns:a16="http://schemas.microsoft.com/office/drawing/2014/main" id="{A6895F9A-4951-41A7-988E-E4426D51CFB5}"/>
+                </a:ext>
+                <a:ext uri="{C183D7F6-B498-43B3-948B-1728B52AA6E4}">
+                  <adec:decorative xmlns:adec="http://schemas.microsoft.com/office/drawing/2017/decorative" val="1"/>
+                </a:ext>
+              </a:extLst>
+            </p:cNvPr>
+            <p:cNvSpPr/>
+            <p:nvPr>
+              <p:extLst>
+                <p:ext uri="{386F3935-93C4-4BCD-93E2-E3B085C9AB24}">
+                  <p16:designElem xmlns:p16="http://schemas.microsoft.com/office/powerpoint/2015/main" val="1"/>
+                </p:ext>
+              </p:extLst>
+            </p:nvPr>
+          </p:nvSpPr>
+          <p:spPr>
+            <a:xfrm>
+              <a:off x="0" y="0"/>
+              <a:ext cx="12192000" cy="6858000"/>
+            </a:xfrm>
+            <a:prstGeom prst="rect">
+              <a:avLst/>
+            </a:prstGeom>
+            <a:blipFill>
+              <a:blip r:embed="rId2">
+                <a:duotone>
+                  <a:schemeClr val="dk2">
+                    <a:shade val="42000"/>
+                    <a:hueMod val="42000"/>
+                    <a:satMod val="124000"/>
+                    <a:lumMod val="62000"/>
+                  </a:schemeClr>
+                  <a:schemeClr val="dk2">
+                    <a:tint val="96000"/>
+                    <a:satMod val="130000"/>
+                  </a:schemeClr>
+                </a:duotone>
+              </a:blip>
+              <a:stretch>
+                <a:fillRect/>
+              </a:stretch>
+            </a:blipFill>
+            <a:ln>
+              <a:noFill/>
+            </a:ln>
+          </p:spPr>
+          <p:style>
+            <a:lnRef idx="2">
+              <a:schemeClr val="accent1">
+                <a:shade val="50000"/>
+              </a:schemeClr>
+            </a:lnRef>
+            <a:fillRef idx="1">
+              <a:schemeClr val="accent1"/>
+            </a:fillRef>
+            <a:effectRef idx="0">
+              <a:schemeClr val="accent1"/>
+            </a:effectRef>
+            <a:fontRef idx="minor">
+              <a:schemeClr val="lt1"/>
+            </a:fontRef>
+          </p:style>
+          <p:txBody>
+            <a:bodyPr/>
+            <a:lstStyle/>
+            <a:p>
+              <a:endParaRPr lang="fr-CA"/>
+            </a:p>
+          </p:txBody>
+        </p:sp>
+        <p:sp>
+          <p:nvSpPr>
+            <p:cNvPr id="11" name="Oval 10">
+              <a:extLst>
+                <a:ext uri="{FF2B5EF4-FFF2-40B4-BE49-F238E27FC236}">
+                  <a16:creationId xmlns:a16="http://schemas.microsoft.com/office/drawing/2014/main" id="{973CCBF7-E635-45F0-9262-B1378FECE067}"/>
+                </a:ext>
+                <a:ext uri="{C183D7F6-B498-43B3-948B-1728B52AA6E4}">
+                  <adec:decorative xmlns:adec="http://schemas.microsoft.com/office/drawing/2017/decorative" val="1"/>
+                </a:ext>
+              </a:extLst>
+            </p:cNvPr>
+            <p:cNvSpPr/>
+            <p:nvPr>
+              <p:extLst>
+                <p:ext uri="{386F3935-93C4-4BCD-93E2-E3B085C9AB24}">
+                  <p16:designElem xmlns:p16="http://schemas.microsoft.com/office/powerpoint/2015/main" val="1"/>
+                </p:ext>
+              </p:extLst>
+            </p:nvPr>
+          </p:nvSpPr>
+          <p:spPr>
+            <a:xfrm>
+              <a:off x="8609012" y="5867400"/>
+              <a:ext cx="990600" cy="990600"/>
+            </a:xfrm>
+            <a:prstGeom prst="ellipse">
+              <a:avLst/>
+            </a:prstGeom>
+            <a:gradFill flip="none" rotWithShape="1">
+              <a:gsLst>
+                <a:gs pos="0">
+                  <a:schemeClr val="accent5">
+                    <a:alpha val="14000"/>
+                  </a:schemeClr>
+                </a:gs>
+                <a:gs pos="66000">
+                  <a:schemeClr val="accent5">
+                    <a:alpha val="0"/>
+                  </a:schemeClr>
+                </a:gs>
+                <a:gs pos="36000">
+                  <a:schemeClr val="accent5">
+                    <a:alpha val="7000"/>
+                  </a:schemeClr>
+                </a:gs>
+              </a:gsLst>
+              <a:path path="circle">
+                <a:fillToRect l="50000" t="50000" r="50000" b="50000"/>
+              </a:path>
+              <a:tileRect/>
+            </a:gradFill>
+            <a:ln>
+              <a:noFill/>
+            </a:ln>
+            <a:effectLst/>
+          </p:spPr>
+          <p:style>
+            <a:lnRef idx="1">
+              <a:schemeClr val="accent1"/>
+            </a:lnRef>
+            <a:fillRef idx="3">
+              <a:schemeClr val="accent1"/>
+            </a:fillRef>
+            <a:effectRef idx="2">
+              <a:schemeClr val="accent1"/>
+            </a:effectRef>
+            <a:fontRef idx="minor">
+              <a:schemeClr val="lt1"/>
+            </a:fontRef>
+          </p:style>
+          <p:txBody>
+            <a:bodyPr/>
+            <a:lstStyle/>
+            <a:p>
+              <a:endParaRPr lang="fr-CA"/>
+            </a:p>
+          </p:txBody>
+        </p:sp>
+        <p:sp>
+          <p:nvSpPr>
+            <p:cNvPr id="12" name="Oval 11">
+              <a:extLst>
+                <a:ext uri="{FF2B5EF4-FFF2-40B4-BE49-F238E27FC236}">
+                  <a16:creationId xmlns:a16="http://schemas.microsoft.com/office/drawing/2014/main" id="{A95F2453-17DE-4864-ADA2-6D234F95CF56}"/>
+                </a:ext>
+                <a:ext uri="{C183D7F6-B498-43B3-948B-1728B52AA6E4}">
+                  <adec:decorative xmlns:adec="http://schemas.microsoft.com/office/drawing/2017/decorative" val="1"/>
+                </a:ext>
+              </a:extLst>
+            </p:cNvPr>
+            <p:cNvSpPr/>
+            <p:nvPr>
+              <p:extLst>
+                <p:ext uri="{386F3935-93C4-4BCD-93E2-E3B085C9AB24}">
+                  <p16:designElem xmlns:p16="http://schemas.microsoft.com/office/powerpoint/2015/main" val="1"/>
+                </p:ext>
+              </p:extLst>
+            </p:nvPr>
+          </p:nvSpPr>
+          <p:spPr>
+            <a:xfrm>
+              <a:off x="8609012" y="1676400"/>
+              <a:ext cx="2819400" cy="2819400"/>
+            </a:xfrm>
+            <a:prstGeom prst="ellipse">
+              <a:avLst/>
+            </a:prstGeom>
+            <a:gradFill flip="none" rotWithShape="1">
+              <a:gsLst>
+                <a:gs pos="0">
+                  <a:schemeClr val="accent5">
+                    <a:alpha val="7000"/>
+                  </a:schemeClr>
+                </a:gs>
+                <a:gs pos="69000">
+                  <a:schemeClr val="accent5">
+                    <a:alpha val="0"/>
+                  </a:schemeClr>
+                </a:gs>
+                <a:gs pos="36000">
+                  <a:schemeClr val="accent5">
+                    <a:alpha val="6000"/>
+                  </a:schemeClr>
+                </a:gs>
+              </a:gsLst>
+              <a:path path="circle">
+                <a:fillToRect l="50000" t="50000" r="50000" b="50000"/>
+              </a:path>
+              <a:tileRect/>
+            </a:gradFill>
+            <a:ln>
+              <a:noFill/>
+            </a:ln>
+            <a:effectLst/>
+          </p:spPr>
+          <p:style>
+            <a:lnRef idx="1">
+              <a:schemeClr val="accent1"/>
+            </a:lnRef>
+            <a:fillRef idx="3">
+              <a:schemeClr val="accent1"/>
+            </a:fillRef>
+            <a:effectRef idx="2">
+              <a:schemeClr val="accent1"/>
+            </a:effectRef>
+            <a:fontRef idx="minor">
+              <a:schemeClr val="lt1"/>
+            </a:fontRef>
+          </p:style>
+          <p:txBody>
+            <a:bodyPr/>
+            <a:lstStyle/>
+            <a:p>
+              <a:endParaRPr lang="fr-CA"/>
+            </a:p>
+          </p:txBody>
+        </p:sp>
+        <p:sp>
+          <p:nvSpPr>
+            <p:cNvPr id="13" name="Oval 12">
+              <a:extLst>
+                <a:ext uri="{FF2B5EF4-FFF2-40B4-BE49-F238E27FC236}">
+                  <a16:creationId xmlns:a16="http://schemas.microsoft.com/office/drawing/2014/main" id="{044DD539-16E2-48D1-9557-24281434BA40}"/>
+                </a:ext>
+                <a:ext uri="{C183D7F6-B498-43B3-948B-1728B52AA6E4}">
+                  <adec:decorative xmlns:adec="http://schemas.microsoft.com/office/drawing/2017/decorative" val="1"/>
+                </a:ext>
+              </a:extLst>
+            </p:cNvPr>
+            <p:cNvSpPr/>
+            <p:nvPr>
+              <p:extLst>
+                <p:ext uri="{386F3935-93C4-4BCD-93E2-E3B085C9AB24}">
+                  <p16:designElem xmlns:p16="http://schemas.microsoft.com/office/powerpoint/2015/main" val="1"/>
+                </p:ext>
+              </p:extLst>
+            </p:nvPr>
+          </p:nvSpPr>
+          <p:spPr>
+            <a:xfrm>
+              <a:off x="7999412" y="1587"/>
+              <a:ext cx="1600200" cy="1600200"/>
+            </a:xfrm>
+            <a:prstGeom prst="ellipse">
+              <a:avLst/>
+            </a:prstGeom>
+            <a:gradFill flip="none" rotWithShape="1">
+              <a:gsLst>
+                <a:gs pos="0">
+                  <a:schemeClr val="accent1">
+                    <a:lumMod val="60000"/>
+                    <a:lumOff val="40000"/>
+                    <a:alpha val="14000"/>
+                  </a:schemeClr>
+                </a:gs>
+                <a:gs pos="73000">
+                  <a:schemeClr val="accent1">
+                    <a:lumMod val="60000"/>
+                    <a:lumOff val="40000"/>
+                    <a:alpha val="0"/>
+                  </a:schemeClr>
+                </a:gs>
+                <a:gs pos="36000">
+                  <a:schemeClr val="accent1">
+                    <a:lumMod val="60000"/>
+                    <a:lumOff val="40000"/>
+                    <a:alpha val="7000"/>
+                  </a:schemeClr>
+                </a:gs>
+              </a:gsLst>
+              <a:path path="circle">
+                <a:fillToRect l="50000" t="50000" r="50000" b="50000"/>
+              </a:path>
+              <a:tileRect/>
+            </a:gradFill>
+            <a:ln>
+              <a:noFill/>
+            </a:ln>
+            <a:effectLst/>
+          </p:spPr>
+          <p:style>
+            <a:lnRef idx="1">
+              <a:schemeClr val="accent1"/>
+            </a:lnRef>
+            <a:fillRef idx="3">
+              <a:schemeClr val="accent1"/>
+            </a:fillRef>
+            <a:effectRef idx="2">
+              <a:schemeClr val="accent1"/>
+            </a:effectRef>
+            <a:fontRef idx="minor">
+              <a:schemeClr val="lt1"/>
+            </a:fontRef>
+          </p:style>
+          <p:txBody>
+            <a:bodyPr/>
+            <a:lstStyle/>
+            <a:p>
+              <a:endParaRPr lang="fr-CA"/>
+            </a:p>
+          </p:txBody>
+        </p:sp>
+        <p:sp>
+          <p:nvSpPr>
+            <p:cNvPr id="14" name="Oval 13">
+              <a:extLst>
+                <a:ext uri="{FF2B5EF4-FFF2-40B4-BE49-F238E27FC236}">
+                  <a16:creationId xmlns:a16="http://schemas.microsoft.com/office/drawing/2014/main" id="{025EA950-BF18-4722-B2FD-04D357983FF1}"/>
+                </a:ext>
+                <a:ext uri="{C183D7F6-B498-43B3-948B-1728B52AA6E4}">
+                  <adec:decorative xmlns:adec="http://schemas.microsoft.com/office/drawing/2017/decorative" val="1"/>
+                </a:ext>
+              </a:extLst>
+            </p:cNvPr>
+            <p:cNvSpPr/>
+            <p:nvPr>
+              <p:extLst>
+                <p:ext uri="{386F3935-93C4-4BCD-93E2-E3B085C9AB24}">
+                  <p16:designElem xmlns:p16="http://schemas.microsoft.com/office/powerpoint/2015/main" val="1"/>
+                </p:ext>
+              </p:extLst>
+            </p:nvPr>
+          </p:nvSpPr>
+          <p:spPr>
+            <a:xfrm>
+              <a:off x="0" y="2895600"/>
+              <a:ext cx="2362200" cy="2362200"/>
+            </a:xfrm>
+            <a:prstGeom prst="ellipse">
+              <a:avLst/>
+            </a:prstGeom>
+            <a:gradFill flip="none" rotWithShape="1">
+              <a:gsLst>
+                <a:gs pos="0">
+                  <a:schemeClr val="accent5">
+                    <a:alpha val="8000"/>
+                  </a:schemeClr>
+                </a:gs>
+                <a:gs pos="72000">
+                  <a:schemeClr val="accent5">
+                    <a:alpha val="0"/>
+                  </a:schemeClr>
+                </a:gs>
+                <a:gs pos="36000">
+                  <a:schemeClr val="accent5">
+                    <a:alpha val="8000"/>
+                  </a:schemeClr>
+                </a:gs>
+              </a:gsLst>
+              <a:path path="circle">
+                <a:fillToRect l="50000" t="50000" r="50000" b="50000"/>
+              </a:path>
+              <a:tileRect/>
+            </a:gradFill>
+            <a:ln>
+              <a:noFill/>
+            </a:ln>
+            <a:effectLst/>
+          </p:spPr>
+          <p:style>
+            <a:lnRef idx="1">
+              <a:schemeClr val="accent1"/>
+            </a:lnRef>
+            <a:fillRef idx="3">
+              <a:schemeClr val="accent1"/>
+            </a:fillRef>
+            <a:effectRef idx="2">
+              <a:schemeClr val="accent1"/>
+            </a:effectRef>
+            <a:fontRef idx="minor">
+              <a:schemeClr val="lt1"/>
+            </a:fontRef>
+          </p:style>
+          <p:txBody>
+            <a:bodyPr/>
+            <a:lstStyle/>
+            <a:p>
+              <a:endParaRPr lang="fr-CA"/>
+            </a:p>
+          </p:txBody>
+        </p:sp>
+        <p:sp>
+          <p:nvSpPr>
+            <p:cNvPr id="15" name="Oval 14">
+              <a:extLst>
+                <a:ext uri="{FF2B5EF4-FFF2-40B4-BE49-F238E27FC236}">
+                  <a16:creationId xmlns:a16="http://schemas.microsoft.com/office/drawing/2014/main" id="{7E71AB5E-77FB-4315-8B22-845D24C707E6}"/>
+                </a:ext>
+                <a:ext uri="{C183D7F6-B498-43B3-948B-1728B52AA6E4}">
+                  <adec:decorative xmlns:adec="http://schemas.microsoft.com/office/drawing/2017/decorative" val="1"/>
+                </a:ext>
+              </a:extLst>
+            </p:cNvPr>
+            <p:cNvSpPr/>
+            <p:nvPr>
+              <p:extLst>
+                <p:ext uri="{386F3935-93C4-4BCD-93E2-E3B085C9AB24}">
+                  <p16:designElem xmlns:p16="http://schemas.microsoft.com/office/powerpoint/2015/main" val="1"/>
+                </p:ext>
+              </p:extLst>
+            </p:nvPr>
+          </p:nvSpPr>
+          <p:spPr>
+            <a:xfrm>
+              <a:off x="0" y="2667000"/>
+              <a:ext cx="4191000" cy="4191000"/>
+            </a:xfrm>
+            <a:prstGeom prst="ellipse">
+              <a:avLst/>
+            </a:prstGeom>
+            <a:gradFill flip="none" rotWithShape="1">
+              <a:gsLst>
+                <a:gs pos="0">
+                  <a:schemeClr val="accent1">
+                    <a:lumMod val="60000"/>
+                    <a:lumOff val="40000"/>
+                    <a:alpha val="11000"/>
+                  </a:schemeClr>
+                </a:gs>
+                <a:gs pos="75000">
+                  <a:schemeClr val="accent1">
+                    <a:lumMod val="60000"/>
+                    <a:lumOff val="40000"/>
+                    <a:alpha val="0"/>
+                  </a:schemeClr>
+                </a:gs>
+                <a:gs pos="36000">
+                  <a:schemeClr val="accent1">
+                    <a:lumMod val="60000"/>
+                    <a:lumOff val="40000"/>
+                    <a:alpha val="10000"/>
+                  </a:schemeClr>
+                </a:gs>
+              </a:gsLst>
+              <a:path path="circle">
+                <a:fillToRect l="50000" t="50000" r="50000" b="50000"/>
+              </a:path>
+              <a:tileRect/>
+            </a:gradFill>
+            <a:ln>
+              <a:noFill/>
+            </a:ln>
+            <a:effectLst/>
+          </p:spPr>
+          <p:style>
+            <a:lnRef idx="1">
+              <a:schemeClr val="accent1"/>
+            </a:lnRef>
+            <a:fillRef idx="3">
+              <a:schemeClr val="accent1"/>
+            </a:fillRef>
+            <a:effectRef idx="2">
+              <a:schemeClr val="accent1"/>
+            </a:effectRef>
+            <a:fontRef idx="minor">
+              <a:schemeClr val="lt1"/>
+            </a:fontRef>
+          </p:style>
+          <p:txBody>
+            <a:bodyPr/>
+            <a:lstStyle/>
+            <a:p>
+              <a:endParaRPr lang="fr-CA"/>
+            </a:p>
+          </p:txBody>
+        </p:sp>
+        <p:sp>
+          <p:nvSpPr>
+            <p:cNvPr id="16" name="Oval 15">
+              <a:extLst>
+                <a:ext uri="{FF2B5EF4-FFF2-40B4-BE49-F238E27FC236}">
+                  <a16:creationId xmlns:a16="http://schemas.microsoft.com/office/drawing/2014/main" id="{27ED4165-1756-4A80-90B1-FFF8AD7F2B98}"/>
+                </a:ext>
+                <a:ext uri="{C183D7F6-B498-43B3-948B-1728B52AA6E4}">
+                  <adec:decorative xmlns:adec="http://schemas.microsoft.com/office/drawing/2017/decorative" val="1"/>
+                </a:ext>
+              </a:extLst>
+            </p:cNvPr>
+            <p:cNvSpPr/>
+            <p:nvPr>
+              <p:extLst>
+                <p:ext uri="{386F3935-93C4-4BCD-93E2-E3B085C9AB24}">
+                  <p16:designElem xmlns:p16="http://schemas.microsoft.com/office/powerpoint/2015/main" val="1"/>
+                </p:ext>
+              </p:extLst>
+            </p:nvPr>
+          </p:nvSpPr>
+          <p:spPr>
+            <a:xfrm>
+              <a:off x="8609012" y="5865239"/>
+              <a:ext cx="990600" cy="990600"/>
+            </a:xfrm>
+            <a:prstGeom prst="ellipse">
+              <a:avLst/>
+            </a:prstGeom>
+            <a:gradFill flip="none" rotWithShape="1">
+              <a:gsLst>
+                <a:gs pos="0">
+                  <a:schemeClr val="accent1">
+                    <a:lumMod val="60000"/>
+                    <a:lumOff val="40000"/>
+                    <a:alpha val="10000"/>
+                  </a:schemeClr>
+                </a:gs>
+                <a:gs pos="66000">
+                  <a:schemeClr val="accent1">
+                    <a:lumMod val="60000"/>
+                    <a:lumOff val="40000"/>
+                    <a:alpha val="0"/>
+                  </a:schemeClr>
+                </a:gs>
+                <a:gs pos="31000">
+                  <a:schemeClr val="accent1">
+                    <a:lumMod val="60000"/>
+                    <a:lumOff val="40000"/>
+                    <a:alpha val="5000"/>
+                  </a:schemeClr>
+                </a:gs>
+              </a:gsLst>
+              <a:path path="circle">
+                <a:fillToRect l="50000" t="50000" r="50000" b="50000"/>
+              </a:path>
+              <a:tileRect/>
+            </a:gradFill>
+            <a:ln>
+              <a:noFill/>
+            </a:ln>
+            <a:effectLst/>
+          </p:spPr>
+          <p:style>
+            <a:lnRef idx="1">
+              <a:schemeClr val="accent1"/>
+            </a:lnRef>
+            <a:fillRef idx="3">
+              <a:schemeClr val="accent1"/>
+            </a:fillRef>
+            <a:effectRef idx="2">
+              <a:schemeClr val="accent1"/>
+            </a:effectRef>
+            <a:fontRef idx="minor">
+              <a:schemeClr val="lt1"/>
+            </a:fontRef>
+          </p:style>
+          <p:txBody>
+            <a:bodyPr/>
+            <a:lstStyle/>
+            <a:p>
+              <a:endParaRPr lang="fr-CA"/>
+            </a:p>
+          </p:txBody>
+        </p:sp>
+        <p:sp>
+          <p:nvSpPr>
+            <p:cNvPr id="17" name="Freeform 5">
+              <a:extLst>
+                <a:ext uri="{FF2B5EF4-FFF2-40B4-BE49-F238E27FC236}">
+                  <a16:creationId xmlns:a16="http://schemas.microsoft.com/office/drawing/2014/main" id="{0C1FF9ED-0EB6-4CEF-83F7-B5791297781B}"/>
+                </a:ext>
+                <a:ext uri="{C183D7F6-B498-43B3-948B-1728B52AA6E4}">
+                  <adec:decorative xmlns:adec="http://schemas.microsoft.com/office/drawing/2017/decorative" val="1"/>
+                </a:ext>
+              </a:extLst>
+            </p:cNvPr>
+            <p:cNvSpPr>
+              <a:spLocks noEditPoints="1"/>
+            </p:cNvSpPr>
+            <p:nvPr>
+              <p:extLst>
+                <p:ext uri="{386F3935-93C4-4BCD-93E2-E3B085C9AB24}">
+                  <p16:designElem xmlns:p16="http://schemas.microsoft.com/office/powerpoint/2015/main" val="1"/>
+                </p:ext>
+              </p:extLst>
+            </p:nvPr>
+          </p:nvSpPr>
+          <p:spPr bwMode="gray">
+            <a:xfrm>
+              <a:off x="0" y="1587"/>
+              <a:ext cx="12192000" cy="6856413"/>
+            </a:xfrm>
+            <a:custGeom>
+              <a:avLst/>
+              <a:gdLst/>
+              <a:ahLst/>
+              <a:cxnLst/>
+              <a:rect l="0" t="0" r="r" b="b"/>
+              <a:pathLst>
+                <a:path w="15356" h="8638">
+                  <a:moveTo>
+                    <a:pt x="0" y="0"/>
+                  </a:moveTo>
+                  <a:lnTo>
+                    <a:pt x="0" y="8638"/>
+                  </a:lnTo>
+                  <a:lnTo>
+                    <a:pt x="15356" y="8638"/>
+                  </a:lnTo>
+                  <a:lnTo>
+                    <a:pt x="15356" y="0"/>
+                  </a:lnTo>
+                  <a:lnTo>
+                    <a:pt x="0" y="0"/>
+                  </a:lnTo>
+                  <a:close/>
+                  <a:moveTo>
+                    <a:pt x="14748" y="8038"/>
+                  </a:moveTo>
+                  <a:lnTo>
+                    <a:pt x="600" y="8038"/>
+                  </a:lnTo>
+                  <a:lnTo>
+                    <a:pt x="600" y="592"/>
+                  </a:lnTo>
+                  <a:lnTo>
+                    <a:pt x="14748" y="592"/>
+                  </a:lnTo>
+                  <a:lnTo>
+                    <a:pt x="14748" y="8038"/>
+                  </a:lnTo>
+                  <a:close/>
+                </a:path>
+              </a:pathLst>
+            </a:custGeom>
+            <a:solidFill>
+              <a:schemeClr val="bg1"/>
+            </a:solidFill>
+            <a:ln>
+              <a:noFill/>
+            </a:ln>
+          </p:spPr>
+          <p:txBody>
+            <a:bodyPr/>
+            <a:lstStyle/>
+            <a:p>
+              <a:endParaRPr lang="fr-CA"/>
+            </a:p>
+          </p:txBody>
+        </p:sp>
+      </p:grpSp>
+      <p:sp>
+        <p:nvSpPr>
+          <p:cNvPr id="27" name="Rectangle 26">
+            <a:extLst>
+              <a:ext uri="{FF2B5EF4-FFF2-40B4-BE49-F238E27FC236}">
+                <a16:creationId xmlns:a16="http://schemas.microsoft.com/office/drawing/2014/main" id="{3F4860A4-6A75-4E92-905D-FA03EEDB86A2}"/>
+              </a:ext>
+              <a:ext uri="{C183D7F6-B498-43B3-948B-1728B52AA6E4}">
+                <adec:decorative xmlns:adec="http://schemas.microsoft.com/office/drawing/2017/decorative" val="1"/>
+              </a:ext>
+            </a:extLst>
+          </p:cNvPr>
+          <p:cNvSpPr>
+            <a:spLocks noGrp="1" noRot="1" noChangeAspect="1" noMove="1" noResize="1" noEditPoints="1" noAdjustHandles="1" noChangeArrowheads="1" noChangeShapeType="1" noTextEdit="1"/>
+          </p:cNvSpPr>
+          <p:nvPr>
+            <p:extLst>
+              <p:ext uri="{386F3935-93C4-4BCD-93E2-E3B085C9AB24}">
+                <p16:designElem xmlns:p16="http://schemas.microsoft.com/office/powerpoint/2015/main" val="1"/>
+              </p:ext>
+            </p:extLst>
+          </p:nvPr>
+        </p:nvSpPr>
+        <p:spPr>
+          <a:xfrm>
+            <a:off x="10443728" y="0"/>
+            <a:ext cx="685800" cy="1143000"/>
+          </a:xfrm>
+          <a:prstGeom prst="rect">
+            <a:avLst/>
+          </a:prstGeom>
+          <a:solidFill>
+            <a:schemeClr val="accent1"/>
+          </a:solidFill>
+          <a:ln>
+            <a:noFill/>
+          </a:ln>
+        </p:spPr>
+        <p:style>
+          <a:lnRef idx="1">
+            <a:schemeClr val="accent1"/>
+          </a:lnRef>
+          <a:fillRef idx="3">
+            <a:schemeClr val="accent1"/>
+          </a:fillRef>
+          <a:effectRef idx="2">
+            <a:schemeClr val="accent1"/>
+          </a:effectRef>
+          <a:fontRef idx="minor">
+            <a:schemeClr val="lt1"/>
+          </a:fontRef>
+        </p:style>
+        <p:txBody>
+          <a:bodyPr/>
+          <a:lstStyle/>
+          <a:p>
+            <a:endParaRPr lang="fr-CA"/>
+          </a:p>
+        </p:txBody>
+      </p:sp>
+      <p:sp>
+        <p:nvSpPr>
+          <p:cNvPr id="2" name="Titre 1">
+            <a:extLst>
+              <a:ext uri="{FF2B5EF4-FFF2-40B4-BE49-F238E27FC236}">
+                <a16:creationId xmlns:a16="http://schemas.microsoft.com/office/drawing/2014/main" id="{CB4B3AC9-D7BA-E56D-032F-4A53B82A9B2B}"/>
+              </a:ext>
+            </a:extLst>
+          </p:cNvPr>
+          <p:cNvSpPr>
+            <a:spLocks noGrp="1"/>
+          </p:cNvSpPr>
+          <p:nvPr>
+            <p:ph type="title"/>
+          </p:nvPr>
+        </p:nvSpPr>
+        <p:spPr>
+          <a:xfrm>
+            <a:off x="8160773" y="1113062"/>
+            <a:ext cx="3382297" cy="3281957"/>
+          </a:xfrm>
+        </p:spPr>
+        <p:txBody>
+          <a:bodyPr vert="horz" lIns="91440" tIns="45720" rIns="91440" bIns="45720" rtlCol="0" anchor="b">
+            <a:normAutofit/>
+          </a:bodyPr>
+          <a:lstStyle/>
+          <a:p>
+            <a:r>
+              <a:rPr lang="en-US" sz="5000" b="0" i="0" kern="1200" dirty="0">
+                <a:solidFill>
+                  <a:schemeClr val="bg2"/>
+                </a:solidFill>
+                <a:latin typeface="+mj-lt"/>
+                <a:ea typeface="+mj-ea"/>
+                <a:cs typeface="+mj-cs"/>
+              </a:rPr>
+              <a:t>Analyse de la vitesse du moteur</a:t>
+            </a:r>
+          </a:p>
+        </p:txBody>
+      </p:sp>
+      <p:pic>
+        <p:nvPicPr>
+          <p:cNvPr id="4" name="Image 3">
+            <a:extLst>
+              <a:ext uri="{FF2B5EF4-FFF2-40B4-BE49-F238E27FC236}">
+                <a16:creationId xmlns:a16="http://schemas.microsoft.com/office/drawing/2014/main" id="{3D869772-A4CA-F9EF-1ACF-9E4B24A7C366}"/>
+              </a:ext>
+            </a:extLst>
+          </p:cNvPr>
+          <p:cNvPicPr>
+            <a:picLocks noChangeAspect="1"/>
+          </p:cNvPicPr>
+          <p:nvPr/>
+        </p:nvPicPr>
+        <p:blipFill>
+          <a:blip r:embed="rId3">
+            <a:extLst>
+              <a:ext uri="{28A0092B-C50C-407E-A947-70E740481C1C}">
+                <a14:useLocalDpi xmlns:a14="http://schemas.microsoft.com/office/drawing/2010/main" val="0"/>
+              </a:ext>
+            </a:extLst>
+          </a:blip>
+          <a:stretch>
+            <a:fillRect/>
+          </a:stretch>
+        </p:blipFill>
+        <p:spPr>
+          <a:xfrm>
+            <a:off x="1259378" y="1113063"/>
+            <a:ext cx="6171677" cy="4628758"/>
+          </a:xfrm>
+          <a:prstGeom prst="roundRect">
+            <a:avLst>
+              <a:gd name="adj" fmla="val 1858"/>
+            </a:avLst>
+          </a:prstGeom>
+          <a:effectLst>
+            <a:outerShdw blurRad="50800" dist="50800" dir="5400000" algn="tl" rotWithShape="0">
+              <a:srgbClr val="000000">
+                <a:alpha val="43000"/>
+              </a:srgbClr>
+            </a:outerShdw>
+          </a:effectLst>
+        </p:spPr>
+      </p:pic>
+    </p:spTree>
+    <p:extLst>
+      <p:ext uri="{BB962C8B-B14F-4D97-AF65-F5344CB8AC3E}">
+        <p14:creationId xmlns:p14="http://schemas.microsoft.com/office/powerpoint/2010/main" val="3920034239"/>
+      </p:ext>
+    </p:extLst>
+  </p:cSld>
+  <p:clrMapOvr>
+    <a:masterClrMapping/>
+  </p:clrMapOvr>
+</p:sld>
+</file>
+
+<file path=ppt/slides/slide15.xml><?xml version="1.0" encoding="utf-8"?>
+<p:sld xmlns:a="http://schemas.openxmlformats.org/drawingml/2006/main" xmlns:r="http://schemas.openxmlformats.org/officeDocument/2006/relationships" xmlns:p="http://schemas.openxmlformats.org/presentationml/2006/main">
+  <p:cSld>
     <p:spTree>
       <p:nvGrpSpPr>
         <p:cNvPr id="1" name=""/>
@@ -16385,7 +17262,7 @@
           <p:cNvPr id="2" name="Titre 1">
             <a:extLst>
               <a:ext uri="{FF2B5EF4-FFF2-40B4-BE49-F238E27FC236}">
-                <a16:creationId xmlns:a16="http://schemas.microsoft.com/office/drawing/2014/main" id="{C5E91BCD-F891-9FC9-72D5-3F179AD3A388}"/>
+                <a16:creationId xmlns:a16="http://schemas.microsoft.com/office/drawing/2014/main" id="{BCDDB7D8-D1FD-908B-43C0-3BE89A2DC2FE}"/>
               </a:ext>
             </a:extLst>
           </p:cNvPr>
@@ -16403,15 +17280,50 @@
           <a:p>
             <a:r>
               <a:rPr lang="fr-CA" dirty="0"/>
-              <a:t>Analyse de la vitesse du moteur</a:t>
+              <a:t>Joyeux temps des fêtes!</a:t>
             </a:r>
           </a:p>
         </p:txBody>
       </p:sp>
+      <p:pic>
+        <p:nvPicPr>
+          <p:cNvPr id="5" name="Espace réservé du contenu 4">
+            <a:extLst>
+              <a:ext uri="{FF2B5EF4-FFF2-40B4-BE49-F238E27FC236}">
+                <a16:creationId xmlns:a16="http://schemas.microsoft.com/office/drawing/2014/main" id="{984EE9AB-FC89-FA6D-1D35-3813D48204D4}"/>
+              </a:ext>
+            </a:extLst>
+          </p:cNvPr>
+          <p:cNvPicPr>
+            <a:picLocks noGrp="1" noChangeAspect="1"/>
+          </p:cNvPicPr>
+          <p:nvPr>
+            <p:ph idx="1"/>
+          </p:nvPr>
+        </p:nvPicPr>
+        <p:blipFill>
+          <a:blip r:embed="rId2">
+            <a:extLst>
+              <a:ext uri="{28A0092B-C50C-407E-A947-70E740481C1C}">
+                <a14:useLocalDpi xmlns:a14="http://schemas.microsoft.com/office/drawing/2010/main" val="0"/>
+              </a:ext>
+            </a:extLst>
+          </a:blip>
+          <a:stretch>
+            <a:fillRect/>
+          </a:stretch>
+        </p:blipFill>
+        <p:spPr>
+          <a:xfrm>
+            <a:off x="3059130" y="2752789"/>
+            <a:ext cx="6073740" cy="3416300"/>
+          </a:xfrm>
+        </p:spPr>
+      </p:pic>
     </p:spTree>
     <p:extLst>
       <p:ext uri="{BB962C8B-B14F-4D97-AF65-F5344CB8AC3E}">
-        <p14:creationId xmlns:p14="http://schemas.microsoft.com/office/powerpoint/2010/main" val="3920034239"/>
+        <p14:creationId xmlns:p14="http://schemas.microsoft.com/office/powerpoint/2010/main" val="1355927315"/>
       </p:ext>
     </p:extLst>
   </p:cSld>
